--- a/5-PRESENTACION PPT/DWH_FILIPUZZI_GALLARDO_2025.pptx
+++ b/5-PRESENTACION PPT/DWH_FILIPUZZI_GALLARDO_2025.pptx
@@ -12,6 +12,9 @@
     <p:sldId id="261" r:id="rId6"/>
     <p:sldId id="263" r:id="rId7"/>
     <p:sldId id="264" r:id="rId8"/>
+    <p:sldId id="265" r:id="rId9"/>
+    <p:sldId id="266" r:id="rId10"/>
+    <p:sldId id="267" r:id="rId11"/>
   </p:sldIdLst>
   <p:sldSz cx="12192000" cy="6858000"/>
   <p:notesSz cx="6858000" cy="9144000"/>
@@ -267,7 +270,7 @@
           <a:p>
             <a:fld id="{97BF5ED6-0742-4FF4-A741-2734E524DFD5}" type="datetimeFigureOut">
               <a:rPr lang="es-AR" smtClean="0"/>
-              <a:t>20/5/2025</a:t>
+              <a:t>22/5/2025</a:t>
             </a:fld>
             <a:endParaRPr lang="es-AR"/>
           </a:p>
@@ -467,7 +470,7 @@
           <a:p>
             <a:fld id="{97BF5ED6-0742-4FF4-A741-2734E524DFD5}" type="datetimeFigureOut">
               <a:rPr lang="es-AR" smtClean="0"/>
-              <a:t>20/5/2025</a:t>
+              <a:t>22/5/2025</a:t>
             </a:fld>
             <a:endParaRPr lang="es-AR"/>
           </a:p>
@@ -677,7 +680,7 @@
           <a:p>
             <a:fld id="{97BF5ED6-0742-4FF4-A741-2734E524DFD5}" type="datetimeFigureOut">
               <a:rPr lang="es-AR" smtClean="0"/>
-              <a:t>20/5/2025</a:t>
+              <a:t>22/5/2025</a:t>
             </a:fld>
             <a:endParaRPr lang="es-AR"/>
           </a:p>
@@ -877,7 +880,7 @@
           <a:p>
             <a:fld id="{97BF5ED6-0742-4FF4-A741-2734E524DFD5}" type="datetimeFigureOut">
               <a:rPr lang="es-AR" smtClean="0"/>
-              <a:t>20/5/2025</a:t>
+              <a:t>22/5/2025</a:t>
             </a:fld>
             <a:endParaRPr lang="es-AR"/>
           </a:p>
@@ -1153,7 +1156,7 @@
           <a:p>
             <a:fld id="{97BF5ED6-0742-4FF4-A741-2734E524DFD5}" type="datetimeFigureOut">
               <a:rPr lang="es-AR" smtClean="0"/>
-              <a:t>20/5/2025</a:t>
+              <a:t>22/5/2025</a:t>
             </a:fld>
             <a:endParaRPr lang="es-AR"/>
           </a:p>
@@ -1421,7 +1424,7 @@
           <a:p>
             <a:fld id="{97BF5ED6-0742-4FF4-A741-2734E524DFD5}" type="datetimeFigureOut">
               <a:rPr lang="es-AR" smtClean="0"/>
-              <a:t>20/5/2025</a:t>
+              <a:t>22/5/2025</a:t>
             </a:fld>
             <a:endParaRPr lang="es-AR"/>
           </a:p>
@@ -1836,7 +1839,7 @@
           <a:p>
             <a:fld id="{97BF5ED6-0742-4FF4-A741-2734E524DFD5}" type="datetimeFigureOut">
               <a:rPr lang="es-AR" smtClean="0"/>
-              <a:t>20/5/2025</a:t>
+              <a:t>22/5/2025</a:t>
             </a:fld>
             <a:endParaRPr lang="es-AR"/>
           </a:p>
@@ -1978,7 +1981,7 @@
           <a:p>
             <a:fld id="{97BF5ED6-0742-4FF4-A741-2734E524DFD5}" type="datetimeFigureOut">
               <a:rPr lang="es-AR" smtClean="0"/>
-              <a:t>20/5/2025</a:t>
+              <a:t>22/5/2025</a:t>
             </a:fld>
             <a:endParaRPr lang="es-AR"/>
           </a:p>
@@ -2091,7 +2094,7 @@
           <a:p>
             <a:fld id="{97BF5ED6-0742-4FF4-A741-2734E524DFD5}" type="datetimeFigureOut">
               <a:rPr lang="es-AR" smtClean="0"/>
-              <a:t>20/5/2025</a:t>
+              <a:t>22/5/2025</a:t>
             </a:fld>
             <a:endParaRPr lang="es-AR"/>
           </a:p>
@@ -2404,7 +2407,7 @@
           <a:p>
             <a:fld id="{97BF5ED6-0742-4FF4-A741-2734E524DFD5}" type="datetimeFigureOut">
               <a:rPr lang="es-AR" smtClean="0"/>
-              <a:t>20/5/2025</a:t>
+              <a:t>22/5/2025</a:t>
             </a:fld>
             <a:endParaRPr lang="es-AR"/>
           </a:p>
@@ -2693,7 +2696,7 @@
           <a:p>
             <a:fld id="{97BF5ED6-0742-4FF4-A741-2734E524DFD5}" type="datetimeFigureOut">
               <a:rPr lang="es-AR" smtClean="0"/>
-              <a:t>20/5/2025</a:t>
+              <a:t>22/5/2025</a:t>
             </a:fld>
             <a:endParaRPr lang="es-AR"/>
           </a:p>
@@ -2936,7 +2939,7 @@
           <a:p>
             <a:fld id="{97BF5ED6-0742-4FF4-A741-2734E524DFD5}" type="datetimeFigureOut">
               <a:rPr lang="es-AR" smtClean="0"/>
-              <a:t>20/5/2025</a:t>
+              <a:t>22/5/2025</a:t>
             </a:fld>
             <a:endParaRPr lang="es-AR"/>
           </a:p>
@@ -3696,6 +3699,103 @@
 </p:sld>
 </file>
 
+<file path=ppt/slides/slide10.xml><?xml version="1.0" encoding="utf-8"?>
+<p:sld xmlns:a="http://schemas.openxmlformats.org/drawingml/2006/main" xmlns:r="http://schemas.openxmlformats.org/officeDocument/2006/relationships" xmlns:p="http://schemas.openxmlformats.org/presentationml/2006/main">
+  <p:cSld>
+    <p:spTree>
+      <p:nvGrpSpPr>
+        <p:cNvPr id="1" name=""/>
+        <p:cNvGrpSpPr/>
+        <p:nvPr/>
+      </p:nvGrpSpPr>
+      <p:grpSpPr>
+        <a:xfrm>
+          <a:off x="0" y="0"/>
+          <a:ext cx="0" cy="0"/>
+          <a:chOff x="0" y="0"/>
+          <a:chExt cx="0" cy="0"/>
+        </a:xfrm>
+      </p:grpSpPr>
+      <p:sp>
+        <p:nvSpPr>
+          <p:cNvPr id="2" name="Título 1"/>
+          <p:cNvSpPr>
+            <a:spLocks noGrp="1"/>
+          </p:cNvSpPr>
+          <p:nvPr>
+            <p:ph type="title"/>
+          </p:nvPr>
+        </p:nvSpPr>
+        <p:spPr/>
+        <p:txBody>
+          <a:bodyPr/>
+          <a:lstStyle/>
+          <a:p>
+            <a:r>
+              <a:rPr lang="es-ES" dirty="0"/>
+              <a:t>VISUALIZACION DE DATOS: TABLERO </a:t>
+            </a:r>
+            <a:r>
+              <a:rPr lang="es-ES" dirty="0" smtClean="0"/>
+              <a:t>3</a:t>
+            </a:r>
+            <a:endParaRPr lang="es-AR" dirty="0"/>
+          </a:p>
+        </p:txBody>
+      </p:sp>
+      <p:sp>
+        <p:nvSpPr>
+          <p:cNvPr id="3" name="Marcador de contenido 2"/>
+          <p:cNvSpPr>
+            <a:spLocks noGrp="1"/>
+          </p:cNvSpPr>
+          <p:nvPr>
+            <p:ph idx="1"/>
+          </p:nvPr>
+        </p:nvSpPr>
+        <p:spPr/>
+        <p:txBody>
+          <a:bodyPr/>
+          <a:lstStyle/>
+          <a:p>
+            <a:endParaRPr lang="es-AR"/>
+          </a:p>
+        </p:txBody>
+      </p:sp>
+      <p:pic>
+        <p:nvPicPr>
+          <p:cNvPr id="4" name="Imagen 3"/>
+          <p:cNvPicPr/>
+          <p:nvPr/>
+        </p:nvPicPr>
+        <p:blipFill rotWithShape="1">
+          <a:blip r:embed="rId2"/>
+          <a:srcRect t="1887"/>
+          <a:stretch/>
+        </p:blipFill>
+        <p:spPr>
+          <a:xfrm>
+            <a:off x="1056184" y="1451114"/>
+            <a:ext cx="10079631" cy="5362160"/>
+          </a:xfrm>
+          <a:prstGeom prst="rect">
+            <a:avLst/>
+          </a:prstGeom>
+        </p:spPr>
+      </p:pic>
+    </p:spTree>
+    <p:extLst>
+      <p:ext uri="{BB962C8B-B14F-4D97-AF65-F5344CB8AC3E}">
+        <p14:creationId xmlns:p14="http://schemas.microsoft.com/office/powerpoint/2010/main" val="2912565046"/>
+      </p:ext>
+    </p:extLst>
+  </p:cSld>
+  <p:clrMapOvr>
+    <a:masterClrMapping/>
+  </p:clrMapOvr>
+</p:sld>
+</file>
+
 <file path=ppt/slides/slide2.xml><?xml version="1.0" encoding="utf-8"?>
 <p:sld xmlns:a="http://schemas.openxmlformats.org/drawingml/2006/main" xmlns:r="http://schemas.openxmlformats.org/officeDocument/2006/relationships" xmlns:p="http://schemas.openxmlformats.org/presentationml/2006/main">
   <p:cSld>
@@ -7848,6 +7948,197 @@
     <p:extLst>
       <p:ext uri="{BB962C8B-B14F-4D97-AF65-F5344CB8AC3E}">
         <p14:creationId xmlns:p14="http://schemas.microsoft.com/office/powerpoint/2010/main" val="2620736645"/>
+      </p:ext>
+    </p:extLst>
+  </p:cSld>
+  <p:clrMapOvr>
+    <a:masterClrMapping/>
+  </p:clrMapOvr>
+</p:sld>
+</file>
+
+<file path=ppt/slides/slide8.xml><?xml version="1.0" encoding="utf-8"?>
+<p:sld xmlns:a="http://schemas.openxmlformats.org/drawingml/2006/main" xmlns:r="http://schemas.openxmlformats.org/officeDocument/2006/relationships" xmlns:p="http://schemas.openxmlformats.org/presentationml/2006/main">
+  <p:cSld>
+    <p:spTree>
+      <p:nvGrpSpPr>
+        <p:cNvPr id="1" name=""/>
+        <p:cNvGrpSpPr/>
+        <p:nvPr/>
+      </p:nvGrpSpPr>
+      <p:grpSpPr>
+        <a:xfrm>
+          <a:off x="0" y="0"/>
+          <a:ext cx="0" cy="0"/>
+          <a:chOff x="0" y="0"/>
+          <a:chExt cx="0" cy="0"/>
+        </a:xfrm>
+      </p:grpSpPr>
+      <p:sp>
+        <p:nvSpPr>
+          <p:cNvPr id="2" name="Título 1"/>
+          <p:cNvSpPr>
+            <a:spLocks noGrp="1"/>
+          </p:cNvSpPr>
+          <p:nvPr>
+            <p:ph type="title"/>
+          </p:nvPr>
+        </p:nvSpPr>
+        <p:spPr/>
+        <p:txBody>
+          <a:bodyPr/>
+          <a:lstStyle/>
+          <a:p>
+            <a:r>
+              <a:rPr lang="es-ES" dirty="0" smtClean="0"/>
+              <a:t>VISUALIZACION DE DATOS: TABLERO 1</a:t>
+            </a:r>
+            <a:endParaRPr lang="es-AR" dirty="0"/>
+          </a:p>
+        </p:txBody>
+      </p:sp>
+      <p:sp>
+        <p:nvSpPr>
+          <p:cNvPr id="3" name="Marcador de contenido 2"/>
+          <p:cNvSpPr>
+            <a:spLocks noGrp="1"/>
+          </p:cNvSpPr>
+          <p:nvPr>
+            <p:ph idx="1"/>
+          </p:nvPr>
+        </p:nvSpPr>
+        <p:spPr/>
+        <p:txBody>
+          <a:bodyPr/>
+          <a:lstStyle/>
+          <a:p>
+            <a:endParaRPr lang="es-AR"/>
+          </a:p>
+        </p:txBody>
+      </p:sp>
+      <p:pic>
+        <p:nvPicPr>
+          <p:cNvPr id="4" name="Imagen 3"/>
+          <p:cNvPicPr/>
+          <p:nvPr/>
+        </p:nvPicPr>
+        <p:blipFill rotWithShape="1">
+          <a:blip r:embed="rId2"/>
+          <a:srcRect t="1845"/>
+          <a:stretch/>
+        </p:blipFill>
+        <p:spPr>
+          <a:xfrm>
+            <a:off x="1072749" y="1245670"/>
+            <a:ext cx="10046501" cy="5511248"/>
+          </a:xfrm>
+          <a:prstGeom prst="rect">
+            <a:avLst/>
+          </a:prstGeom>
+        </p:spPr>
+      </p:pic>
+    </p:spTree>
+    <p:extLst>
+      <p:ext uri="{BB962C8B-B14F-4D97-AF65-F5344CB8AC3E}">
+        <p14:creationId xmlns:p14="http://schemas.microsoft.com/office/powerpoint/2010/main" val="2752183377"/>
+      </p:ext>
+    </p:extLst>
+  </p:cSld>
+  <p:clrMapOvr>
+    <a:masterClrMapping/>
+  </p:clrMapOvr>
+</p:sld>
+</file>
+
+<file path=ppt/slides/slide9.xml><?xml version="1.0" encoding="utf-8"?>
+<p:sld xmlns:a="http://schemas.openxmlformats.org/drawingml/2006/main" xmlns:r="http://schemas.openxmlformats.org/officeDocument/2006/relationships" xmlns:p="http://schemas.openxmlformats.org/presentationml/2006/main">
+  <p:cSld>
+    <p:spTree>
+      <p:nvGrpSpPr>
+        <p:cNvPr id="1" name=""/>
+        <p:cNvGrpSpPr/>
+        <p:nvPr/>
+      </p:nvGrpSpPr>
+      <p:grpSpPr>
+        <a:xfrm>
+          <a:off x="0" y="0"/>
+          <a:ext cx="0" cy="0"/>
+          <a:chOff x="0" y="0"/>
+          <a:chExt cx="0" cy="0"/>
+        </a:xfrm>
+      </p:grpSpPr>
+      <p:sp>
+        <p:nvSpPr>
+          <p:cNvPr id="2" name="Título 1"/>
+          <p:cNvSpPr>
+            <a:spLocks noGrp="1"/>
+          </p:cNvSpPr>
+          <p:nvPr>
+            <p:ph type="title"/>
+          </p:nvPr>
+        </p:nvSpPr>
+        <p:spPr/>
+        <p:txBody>
+          <a:bodyPr/>
+          <a:lstStyle/>
+          <a:p>
+            <a:r>
+              <a:rPr lang="es-ES" dirty="0"/>
+              <a:t>VISUALIZACION DE DATOS: TABLERO </a:t>
+            </a:r>
+            <a:r>
+              <a:rPr lang="es-ES" dirty="0" smtClean="0"/>
+              <a:t>2</a:t>
+            </a:r>
+            <a:endParaRPr lang="es-AR" dirty="0"/>
+          </a:p>
+        </p:txBody>
+      </p:sp>
+      <p:sp>
+        <p:nvSpPr>
+          <p:cNvPr id="3" name="Marcador de contenido 2"/>
+          <p:cNvSpPr>
+            <a:spLocks noGrp="1"/>
+          </p:cNvSpPr>
+          <p:nvPr>
+            <p:ph idx="1"/>
+          </p:nvPr>
+        </p:nvSpPr>
+        <p:spPr/>
+        <p:txBody>
+          <a:bodyPr/>
+          <a:lstStyle/>
+          <a:p>
+            <a:endParaRPr lang="es-AR"/>
+          </a:p>
+        </p:txBody>
+      </p:sp>
+      <p:pic>
+        <p:nvPicPr>
+          <p:cNvPr id="4" name="Imagen 3"/>
+          <p:cNvPicPr/>
+          <p:nvPr/>
+        </p:nvPicPr>
+        <p:blipFill>
+          <a:blip r:embed="rId2"/>
+          <a:stretch>
+            <a:fillRect/>
+          </a:stretch>
+        </p:blipFill>
+        <p:spPr>
+          <a:xfrm>
+            <a:off x="1206928" y="1315844"/>
+            <a:ext cx="9778144" cy="5542156"/>
+          </a:xfrm>
+          <a:prstGeom prst="rect">
+            <a:avLst/>
+          </a:prstGeom>
+        </p:spPr>
+      </p:pic>
+    </p:spTree>
+    <p:extLst>
+      <p:ext uri="{BB962C8B-B14F-4D97-AF65-F5344CB8AC3E}">
+        <p14:creationId xmlns:p14="http://schemas.microsoft.com/office/powerpoint/2010/main" val="1479631726"/>
       </p:ext>
     </p:extLst>
   </p:cSld>
